--- a/slides/Semantic Kernel AgentCon 2025.pptx
+++ b/slides/Semantic Kernel AgentCon 2025.pptx
@@ -8,10 +8,10 @@
     <p:sldMasterId id="2147484455" r:id="rId7"/>
   </p:sldMasterIdLst>
   <p:notesMasterIdLst>
-    <p:notesMasterId r:id="rId27"/>
+    <p:notesMasterId r:id="rId28"/>
   </p:notesMasterIdLst>
   <p:handoutMasterIdLst>
-    <p:handoutMasterId r:id="rId28"/>
+    <p:handoutMasterId r:id="rId29"/>
   </p:handoutMasterIdLst>
   <p:sldIdLst>
     <p:sldId id="1393" r:id="rId8"/>
@@ -32,7 +32,8 @@
     <p:sldId id="1823" r:id="rId23"/>
     <p:sldId id="1824" r:id="rId24"/>
     <p:sldId id="1784" r:id="rId25"/>
-    <p:sldId id="1766" r:id="rId26"/>
+    <p:sldId id="1825" r:id="rId26"/>
+    <p:sldId id="1766" r:id="rId27"/>
   </p:sldIdLst>
   <p:sldSz cx="12436475" cy="6994525"/>
   <p:notesSz cx="6858000" cy="9144000"/>
@@ -158,6 +159,7 @@
         <p14:section name="Finalizando" id="{CF622469-3E87-46BA-8ED6-912C47B00EF3}">
           <p14:sldIdLst>
             <p14:sldId id="1784"/>
+            <p14:sldId id="1825"/>
             <p14:sldId id="1766"/>
           </p14:sldIdLst>
         </p14:section>
@@ -293,7 +295,7 @@
               <a:rPr lang="en-US" smtClean="0">
                 <a:latin typeface="Segoe UI" pitchFamily="34" charset="0"/>
               </a:rPr>
-              <a:t>6/7/2025 2:49 AM</a:t>
+              <a:t>6/7/2025 9:35 AM</a:t>
             </a:fld>
             <a:endParaRPr lang="en-US" dirty="0">
               <a:latin typeface="Segoe UI" pitchFamily="34" charset="0"/>
@@ -574,7 +576,7 @@
           <a:p>
             <a:fld id="{38EEC551-8CDA-4EB6-89BB-2A86C9F091C8}" type="datetime8">
               <a:rPr lang="en-US" smtClean="0"/>
-              <a:t>6/7/2025 2:48 AM</a:t>
+              <a:t>6/7/2025 9:35 AM</a:t>
             </a:fld>
             <a:endParaRPr lang="en-US" dirty="0"/>
           </a:p>
@@ -961,7 +963,7 @@
           <a:p>
             <a:fld id="{38EEC551-8CDA-4EB6-89BB-2A86C9F091C8}" type="datetime8">
               <a:rPr lang="en-US" smtClean="0"/>
-              <a:t>6/7/2025 2:54 AM</a:t>
+              <a:t>6/7/2025 9:35 AM</a:t>
             </a:fld>
             <a:endParaRPr lang="en-US" dirty="0"/>
           </a:p>
@@ -1182,7 +1184,7 @@
           <a:p>
             <a:fld id="{38EEC551-8CDA-4EB6-89BB-2A86C9F091C8}" type="datetime8">
               <a:rPr lang="en-US" smtClean="0"/>
-              <a:t>6/7/2025 2:48 AM</a:t>
+              <a:t>6/7/2025 9:35 AM</a:t>
             </a:fld>
             <a:endParaRPr lang="en-US" dirty="0"/>
           </a:p>
@@ -1409,7 +1411,7 @@
           <a:p>
             <a:fld id="{38EEC551-8CDA-4EB6-89BB-2A86C9F091C8}" type="datetime8">
               <a:rPr lang="en-US" smtClean="0"/>
-              <a:t>6/7/2025 2:48 AM</a:t>
+              <a:t>6/7/2025 9:35 AM</a:t>
             </a:fld>
             <a:endParaRPr lang="en-US" dirty="0"/>
           </a:p>
@@ -1636,7 +1638,7 @@
           <a:p>
             <a:fld id="{38EEC551-8CDA-4EB6-89BB-2A86C9F091C8}" type="datetime8">
               <a:rPr lang="en-US" smtClean="0"/>
-              <a:t>6/7/2025 3:08 AM</a:t>
+              <a:t>6/7/2025 9:35 AM</a:t>
             </a:fld>
             <a:endParaRPr lang="en-US" dirty="0"/>
           </a:p>
@@ -1863,7 +1865,7 @@
           <a:p>
             <a:fld id="{38EEC551-8CDA-4EB6-89BB-2A86C9F091C8}" type="datetime8">
               <a:rPr lang="en-US" smtClean="0"/>
-              <a:t>6/7/2025 3:08 AM</a:t>
+              <a:t>6/7/2025 9:35 AM</a:t>
             </a:fld>
             <a:endParaRPr lang="en-US" dirty="0"/>
           </a:p>
@@ -2090,7 +2092,7 @@
           <a:p>
             <a:fld id="{38EEC551-8CDA-4EB6-89BB-2A86C9F091C8}" type="datetime8">
               <a:rPr lang="en-US" smtClean="0"/>
-              <a:t>6/7/2025 3:08 AM</a:t>
+              <a:t>6/7/2025 9:35 AM</a:t>
             </a:fld>
             <a:endParaRPr lang="en-US" dirty="0"/>
           </a:p>
@@ -2317,7 +2319,7 @@
           <a:p>
             <a:fld id="{38EEC551-8CDA-4EB6-89BB-2A86C9F091C8}" type="datetime8">
               <a:rPr lang="en-US" smtClean="0"/>
-              <a:t>6/7/2025 3:07 AM</a:t>
+              <a:t>6/7/2025 9:35 AM</a:t>
             </a:fld>
             <a:endParaRPr lang="en-US" dirty="0"/>
           </a:p>
@@ -2544,7 +2546,7 @@
           <a:p>
             <a:fld id="{38EEC551-8CDA-4EB6-89BB-2A86C9F091C8}" type="datetime8">
               <a:rPr lang="en-US" smtClean="0"/>
-              <a:t>6/7/2025 3:10 AM</a:t>
+              <a:t>6/7/2025 9:35 AM</a:t>
             </a:fld>
             <a:endParaRPr lang="en-US" dirty="0"/>
           </a:p>
@@ -2771,7 +2773,7 @@
           <a:p>
             <a:fld id="{38EEC551-8CDA-4EB6-89BB-2A86C9F091C8}" type="datetime8">
               <a:rPr lang="en-US" smtClean="0"/>
-              <a:t>6/7/2025 3:16 AM</a:t>
+              <a:t>6/7/2025 9:35 AM</a:t>
             </a:fld>
             <a:endParaRPr lang="en-US" dirty="0"/>
           </a:p>
@@ -2998,7 +3000,7 @@
           <a:p>
             <a:fld id="{38EEC551-8CDA-4EB6-89BB-2A86C9F091C8}" type="datetime8">
               <a:rPr lang="en-US" smtClean="0"/>
-              <a:t>6/7/2025 2:50 AM</a:t>
+              <a:t>6/7/2025 9:35 AM</a:t>
             </a:fld>
             <a:endParaRPr lang="en-US" dirty="0"/>
           </a:p>
@@ -3282,7 +3284,7 @@
                 <a:tabLst/>
                 <a:defRPr/>
               </a:pPr>
-              <a:t>6/7/2025 2:48 AM</a:t>
+              <a:t>6/7/2025 9:35 AM</a:t>
             </a:fld>
             <a:endParaRPr kumimoji="0" lang="en-US" sz="1800" b="0" i="0" u="none" strike="noStrike" kern="0" cap="none" spc="0" normalizeH="0" baseline="0" noProof="0">
               <a:ln>
@@ -3359,7 +3361,7 @@
                 <a:tabLst/>
                 <a:defRPr/>
               </a:pPr>
-              <a:t>19</a:t>
+              <a:t>20</a:t>
             </a:fld>
             <a:endParaRPr kumimoji="0" lang="en-US" sz="1800" b="0" i="0" u="none" strike="noStrike" kern="0" cap="none" spc="0" normalizeH="0" baseline="0" noProof="0">
               <a:ln>
@@ -3615,7 +3617,7 @@
           <a:p>
             <a:fld id="{38EEC551-8CDA-4EB6-89BB-2A86C9F091C8}" type="datetime8">
               <a:rPr lang="en-US" smtClean="0"/>
-              <a:t>6/7/2025 2:48 AM</a:t>
+              <a:t>6/7/2025 9:35 AM</a:t>
             </a:fld>
             <a:endParaRPr lang="en-US" dirty="0"/>
           </a:p>
@@ -3800,7 +3802,7 @@
           <a:p>
             <a:fld id="{38EEC551-8CDA-4EB6-89BB-2A86C9F091C8}" type="datetime8">
               <a:rPr lang="en-US" smtClean="0"/>
-              <a:t>6/7/2025 2:48 AM</a:t>
+              <a:t>6/7/2025 9:35 AM</a:t>
             </a:fld>
             <a:endParaRPr lang="en-US" dirty="0"/>
           </a:p>
@@ -3985,7 +3987,7 @@
           <a:p>
             <a:fld id="{38EEC551-8CDA-4EB6-89BB-2A86C9F091C8}" type="datetime8">
               <a:rPr lang="en-US" smtClean="0"/>
-              <a:t>6/7/2025 3:09 AM</a:t>
+              <a:t>6/7/2025 9:35 AM</a:t>
             </a:fld>
             <a:endParaRPr lang="en-US" dirty="0"/>
           </a:p>
@@ -4206,7 +4208,7 @@
           <a:p>
             <a:fld id="{38EEC551-8CDA-4EB6-89BB-2A86C9F091C8}" type="datetime8">
               <a:rPr lang="en-US" smtClean="0"/>
-              <a:t>6/7/2025 2:48 AM</a:t>
+              <a:t>6/7/2025 9:35 AM</a:t>
             </a:fld>
             <a:endParaRPr lang="en-US" dirty="0"/>
           </a:p>
@@ -4433,7 +4435,7 @@
           <a:p>
             <a:fld id="{38EEC551-8CDA-4EB6-89BB-2A86C9F091C8}" type="datetime8">
               <a:rPr lang="en-US" smtClean="0"/>
-              <a:t>6/7/2025 2:48 AM</a:t>
+              <a:t>6/7/2025 9:35 AM</a:t>
             </a:fld>
             <a:endParaRPr lang="en-US" dirty="0"/>
           </a:p>
@@ -4660,7 +4662,7 @@
           <a:p>
             <a:fld id="{38EEC551-8CDA-4EB6-89BB-2A86C9F091C8}" type="datetime8">
               <a:rPr lang="en-US" smtClean="0"/>
-              <a:t>6/7/2025 2:48 AM</a:t>
+              <a:t>6/7/2025 9:35 AM</a:t>
             </a:fld>
             <a:endParaRPr lang="en-US" dirty="0"/>
           </a:p>
@@ -4887,7 +4889,7 @@
           <a:p>
             <a:fld id="{38EEC551-8CDA-4EB6-89BB-2A86C9F091C8}" type="datetime8">
               <a:rPr lang="en-US" smtClean="0"/>
-              <a:t>6/7/2025 2:48 AM</a:t>
+              <a:t>6/7/2025 9:35 AM</a:t>
             </a:fld>
             <a:endParaRPr lang="en-US" dirty="0"/>
           </a:p>
@@ -31510,6 +31512,873 @@
 <file path=ppt/slides/slide19.xml><?xml version="1.0" encoding="utf-8"?>
 <p:sld xmlns:a="http://schemas.openxmlformats.org/drawingml/2006/main" xmlns:r="http://schemas.openxmlformats.org/officeDocument/2006/relationships" xmlns:p="http://schemas.openxmlformats.org/presentationml/2006/main">
   <p:cSld>
+    <p:spTree>
+      <p:nvGrpSpPr>
+        <p:cNvPr id="1" name=""/>
+        <p:cNvGrpSpPr/>
+        <p:nvPr/>
+      </p:nvGrpSpPr>
+      <p:grpSpPr>
+        <a:xfrm>
+          <a:off x="0" y="0"/>
+          <a:ext cx="0" cy="0"/>
+          <a:chOff x="0" y="0"/>
+          <a:chExt cx="0" cy="0"/>
+        </a:xfrm>
+      </p:grpSpPr>
+      <p:pic>
+        <p:nvPicPr>
+          <p:cNvPr id="5" name="Imagem 4">
+            <a:extLst>
+              <a:ext uri="{FF2B5EF4-FFF2-40B4-BE49-F238E27FC236}">
+                <a16:creationId xmlns:a16="http://schemas.microsoft.com/office/drawing/2014/main" id="{59E9C373-531D-64A4-1BA4-DB9C5BC7D519}"/>
+              </a:ext>
+            </a:extLst>
+          </p:cNvPr>
+          <p:cNvPicPr>
+            <a:picLocks noChangeAspect="1"/>
+          </p:cNvPicPr>
+          <p:nvPr/>
+        </p:nvPicPr>
+        <p:blipFill>
+          <a:blip r:embed="rId2"/>
+          <a:stretch>
+            <a:fillRect/>
+          </a:stretch>
+        </p:blipFill>
+        <p:spPr>
+          <a:xfrm>
+            <a:off x="916655" y="0"/>
+            <a:ext cx="10603165" cy="6994525"/>
+          </a:xfrm>
+          <a:prstGeom prst="rect">
+            <a:avLst/>
+          </a:prstGeom>
+        </p:spPr>
+      </p:pic>
+    </p:spTree>
+    <p:extLst>
+      <p:ext uri="{BB962C8B-B14F-4D97-AF65-F5344CB8AC3E}">
+        <p14:creationId xmlns:p14="http://schemas.microsoft.com/office/powerpoint/2010/main" val="2290924466"/>
+      </p:ext>
+    </p:extLst>
+  </p:cSld>
+  <p:clrMapOvr>
+    <a:masterClrMapping/>
+  </p:clrMapOvr>
+  <p:transition>
+    <p:fade/>
+  </p:transition>
+</p:sld>
+</file>
+
+<file path=ppt/slides/slide2.xml><?xml version="1.0" encoding="utf-8"?>
+<p:sld xmlns:a="http://schemas.openxmlformats.org/drawingml/2006/main" xmlns:r="http://schemas.openxmlformats.org/officeDocument/2006/relationships" xmlns:p="http://schemas.openxmlformats.org/presentationml/2006/main">
+  <p:cSld>
+    <p:spTree>
+      <p:nvGrpSpPr>
+        <p:cNvPr id="1" name=""/>
+        <p:cNvGrpSpPr/>
+        <p:nvPr/>
+      </p:nvGrpSpPr>
+      <p:grpSpPr>
+        <a:xfrm>
+          <a:off x="0" y="0"/>
+          <a:ext cx="0" cy="0"/>
+          <a:chOff x="0" y="0"/>
+          <a:chExt cx="0" cy="0"/>
+        </a:xfrm>
+      </p:grpSpPr>
+      <p:sp>
+        <p:nvSpPr>
+          <p:cNvPr id="2" name="Content Placeholder 1"/>
+          <p:cNvSpPr>
+            <a:spLocks noGrp="1"/>
+          </p:cNvSpPr>
+          <p:nvPr>
+            <p:ph idx="1"/>
+          </p:nvPr>
+        </p:nvSpPr>
+        <p:spPr>
+          <a:xfrm>
+            <a:off x="201916" y="1135062"/>
+            <a:ext cx="7692721" cy="5867400"/>
+          </a:xfrm>
+        </p:spPr>
+        <p:txBody>
+          <a:bodyPr>
+            <a:noAutofit/>
+          </a:bodyPr>
+          <a:lstStyle/>
+          <a:p>
+            <a:pPr>
+              <a:lnSpc>
+                <a:spcPct val="100000"/>
+              </a:lnSpc>
+            </a:pPr>
+            <a:r>
+              <a:rPr lang="pt-BR" sz="2400" dirty="0">
+                <a:solidFill>
+                  <a:schemeClr val="tx1">
+                    <a:lumMod val="75000"/>
+                    <a:lumOff val="25000"/>
+                  </a:schemeClr>
+                </a:solidFill>
+              </a:rPr>
+              <a:t>Microsoft Most </a:t>
+            </a:r>
+            <a:r>
+              <a:rPr lang="pt-BR" sz="2400" dirty="0" err="1">
+                <a:solidFill>
+                  <a:schemeClr val="tx1">
+                    <a:lumMod val="75000"/>
+                    <a:lumOff val="25000"/>
+                  </a:schemeClr>
+                </a:solidFill>
+              </a:rPr>
+              <a:t>Valuable</a:t>
+            </a:r>
+            <a:r>
+              <a:rPr lang="pt-BR" sz="2400" dirty="0">
+                <a:solidFill>
+                  <a:schemeClr val="tx1">
+                    <a:lumMod val="75000"/>
+                    <a:lumOff val="25000"/>
+                  </a:schemeClr>
+                </a:solidFill>
+              </a:rPr>
+              <a:t> Professional (MVP)</a:t>
+            </a:r>
+          </a:p>
+          <a:p>
+            <a:pPr>
+              <a:lnSpc>
+                <a:spcPct val="100000"/>
+              </a:lnSpc>
+            </a:pPr>
+            <a:r>
+              <a:rPr lang="pt-BR" sz="2400" dirty="0">
+                <a:solidFill>
+                  <a:schemeClr val="tx1">
+                    <a:lumMod val="75000"/>
+                    <a:lumOff val="25000"/>
+                  </a:schemeClr>
+                </a:solidFill>
+              </a:rPr>
+              <a:t>Docker </a:t>
+            </a:r>
+            <a:r>
+              <a:rPr lang="pt-BR" sz="2400" dirty="0" err="1">
+                <a:solidFill>
+                  <a:schemeClr val="tx1">
+                    <a:lumMod val="75000"/>
+                    <a:lumOff val="25000"/>
+                  </a:schemeClr>
+                </a:solidFill>
+              </a:rPr>
+              <a:t>Captain</a:t>
+            </a:r>
+            <a:endParaRPr lang="pt-BR" sz="2400" dirty="0">
+              <a:solidFill>
+                <a:schemeClr val="tx1">
+                  <a:lumMod val="75000"/>
+                  <a:lumOff val="25000"/>
+                </a:schemeClr>
+              </a:solidFill>
+            </a:endParaRPr>
+          </a:p>
+          <a:p>
+            <a:pPr>
+              <a:lnSpc>
+                <a:spcPct val="100000"/>
+              </a:lnSpc>
+            </a:pPr>
+            <a:r>
+              <a:rPr lang="pt-BR" sz="2400" dirty="0" err="1">
+                <a:solidFill>
+                  <a:schemeClr val="tx1">
+                    <a:lumMod val="75000"/>
+                    <a:lumOff val="25000"/>
+                  </a:schemeClr>
+                </a:solidFill>
+              </a:rPr>
+              <a:t>APIsec</a:t>
+            </a:r>
+            <a:r>
+              <a:rPr lang="pt-BR" sz="2400" dirty="0">
+                <a:solidFill>
+                  <a:schemeClr val="tx1">
+                    <a:lumMod val="75000"/>
+                    <a:lumOff val="25000"/>
+                  </a:schemeClr>
+                </a:solidFill>
+              </a:rPr>
+              <a:t> U </a:t>
+            </a:r>
+            <a:r>
+              <a:rPr lang="pt-BR" sz="2400" dirty="0" err="1">
+                <a:solidFill>
+                  <a:schemeClr val="tx1">
+                    <a:lumMod val="75000"/>
+                    <a:lumOff val="25000"/>
+                  </a:schemeClr>
+                </a:solidFill>
+              </a:rPr>
+              <a:t>Ambassador</a:t>
+            </a:r>
+            <a:endParaRPr lang="pt-BR" sz="2400" dirty="0">
+              <a:solidFill>
+                <a:schemeClr val="tx1">
+                  <a:lumMod val="75000"/>
+                  <a:lumOff val="25000"/>
+                </a:schemeClr>
+              </a:solidFill>
+            </a:endParaRPr>
+          </a:p>
+          <a:p>
+            <a:pPr>
+              <a:lnSpc>
+                <a:spcPct val="100000"/>
+              </a:lnSpc>
+            </a:pPr>
+            <a:r>
+              <a:rPr lang="pt-BR" sz="2400" dirty="0" err="1">
+                <a:solidFill>
+                  <a:schemeClr val="tx1">
+                    <a:lumMod val="75000"/>
+                    <a:lumOff val="25000"/>
+                  </a:schemeClr>
+                </a:solidFill>
+              </a:rPr>
+              <a:t>Multi-Plataform</a:t>
+            </a:r>
+            <a:r>
+              <a:rPr lang="pt-BR" sz="2400" dirty="0">
+                <a:solidFill>
+                  <a:schemeClr val="tx1">
+                    <a:lumMod val="75000"/>
+                    <a:lumOff val="25000"/>
+                  </a:schemeClr>
+                </a:solidFill>
+              </a:rPr>
+              <a:t> </a:t>
+            </a:r>
+            <a:r>
+              <a:rPr lang="pt-BR" sz="2400" dirty="0" err="1">
+                <a:solidFill>
+                  <a:schemeClr val="tx1">
+                    <a:lumMod val="75000"/>
+                    <a:lumOff val="25000"/>
+                  </a:schemeClr>
+                </a:solidFill>
+              </a:rPr>
+              <a:t>Technical</a:t>
+            </a:r>
+            <a:r>
+              <a:rPr lang="pt-BR" sz="2400" dirty="0">
+                <a:solidFill>
+                  <a:schemeClr val="tx1">
+                    <a:lumMod val="75000"/>
+                    <a:lumOff val="25000"/>
+                  </a:schemeClr>
+                </a:solidFill>
+              </a:rPr>
+              <a:t> </a:t>
+            </a:r>
+            <a:r>
+              <a:rPr lang="pt-BR" sz="2400" dirty="0" err="1">
+                <a:solidFill>
+                  <a:schemeClr val="tx1">
+                    <a:lumMod val="75000"/>
+                    <a:lumOff val="25000"/>
+                  </a:schemeClr>
+                </a:solidFill>
+              </a:rPr>
+              <a:t>Audience</a:t>
+            </a:r>
+            <a:r>
+              <a:rPr lang="pt-BR" sz="2400" dirty="0">
+                <a:solidFill>
+                  <a:schemeClr val="tx1">
+                    <a:lumMod val="75000"/>
+                    <a:lumOff val="25000"/>
+                  </a:schemeClr>
+                </a:solidFill>
+              </a:rPr>
+              <a:t> </a:t>
+            </a:r>
+            <a:r>
+              <a:rPr lang="pt-BR" sz="2400" dirty="0" err="1">
+                <a:solidFill>
+                  <a:schemeClr val="tx1">
+                    <a:lumMod val="75000"/>
+                    <a:lumOff val="25000"/>
+                  </a:schemeClr>
+                </a:solidFill>
+              </a:rPr>
+              <a:t>Contributor</a:t>
+            </a:r>
+            <a:r>
+              <a:rPr lang="pt-BR" sz="2400" dirty="0">
+                <a:solidFill>
+                  <a:schemeClr val="tx1">
+                    <a:lumMod val="75000"/>
+                    <a:lumOff val="25000"/>
+                  </a:schemeClr>
+                </a:solidFill>
+              </a:rPr>
+              <a:t> (MTAC)</a:t>
+            </a:r>
+          </a:p>
+          <a:p>
+            <a:pPr>
+              <a:lnSpc>
+                <a:spcPct val="100000"/>
+              </a:lnSpc>
+            </a:pPr>
+            <a:r>
+              <a:rPr lang="pt-BR" sz="2400" dirty="0">
+                <a:solidFill>
+                  <a:schemeClr val="tx1">
+                    <a:lumMod val="75000"/>
+                    <a:lumOff val="25000"/>
+                  </a:schemeClr>
+                </a:solidFill>
+              </a:rPr>
+              <a:t>Arquiteto de Soluções/Software</a:t>
+            </a:r>
+          </a:p>
+          <a:p>
+            <a:pPr>
+              <a:lnSpc>
+                <a:spcPct val="100000"/>
+              </a:lnSpc>
+            </a:pPr>
+            <a:r>
+              <a:rPr lang="pt-BR" sz="2400" dirty="0">
+                <a:solidFill>
+                  <a:schemeClr val="tx1">
+                    <a:lumMod val="75000"/>
+                    <a:lumOff val="25000"/>
+                  </a:schemeClr>
+                </a:solidFill>
+              </a:rPr>
+              <a:t>+20 anos de experiência na área de Tecnologia</a:t>
+            </a:r>
+          </a:p>
+          <a:p>
+            <a:pPr>
+              <a:lnSpc>
+                <a:spcPct val="100000"/>
+              </a:lnSpc>
+            </a:pPr>
+            <a:r>
+              <a:rPr lang="pt-BR" sz="2400" dirty="0">
+                <a:solidFill>
+                  <a:schemeClr val="tx1">
+                    <a:lumMod val="75000"/>
+                    <a:lumOff val="25000"/>
+                  </a:schemeClr>
+                </a:solidFill>
+              </a:rPr>
+              <a:t>Community </a:t>
+            </a:r>
+            <a:r>
+              <a:rPr lang="pt-BR" sz="2400" dirty="0" err="1">
+                <a:solidFill>
+                  <a:schemeClr val="tx1">
+                    <a:lumMod val="75000"/>
+                    <a:lumOff val="25000"/>
+                  </a:schemeClr>
+                </a:solidFill>
+              </a:rPr>
+              <a:t>Leader</a:t>
+            </a:r>
+            <a:r>
+              <a:rPr lang="pt-BR" sz="2400" dirty="0">
+                <a:solidFill>
+                  <a:schemeClr val="tx1">
+                    <a:lumMod val="75000"/>
+                    <a:lumOff val="25000"/>
+                  </a:schemeClr>
+                </a:solidFill>
+              </a:rPr>
+              <a:t>, Autor Técnico e Palestrante</a:t>
+            </a:r>
+          </a:p>
+        </p:txBody>
+      </p:sp>
+      <p:sp>
+        <p:nvSpPr>
+          <p:cNvPr id="3" name="Title 2"/>
+          <p:cNvSpPr>
+            <a:spLocks noGrp="1"/>
+          </p:cNvSpPr>
+          <p:nvPr>
+            <p:ph type="title"/>
+          </p:nvPr>
+        </p:nvSpPr>
+        <p:spPr>
+          <a:xfrm>
+            <a:off x="350837" y="36366"/>
+            <a:ext cx="5541788" cy="1174896"/>
+          </a:xfrm>
+        </p:spPr>
+        <p:txBody>
+          <a:bodyPr anchor="ctr">
+            <a:normAutofit/>
+          </a:bodyPr>
+          <a:lstStyle/>
+          <a:p>
+            <a:pPr algn="l"/>
+            <a:r>
+              <a:rPr lang="pt-PT" sz="4488" b="1" dirty="0">
+                <a:solidFill>
+                  <a:schemeClr val="bg2">
+                    <a:lumMod val="25000"/>
+                  </a:schemeClr>
+                </a:solidFill>
+              </a:rPr>
+              <a:t>Renato Groffe</a:t>
+            </a:r>
+          </a:p>
+        </p:txBody>
+      </p:sp>
+      <p:sp>
+        <p:nvSpPr>
+          <p:cNvPr id="17" name="Content Placeholder 1"/>
+          <p:cNvSpPr txBox="1">
+            <a:spLocks/>
+          </p:cNvSpPr>
+          <p:nvPr/>
+        </p:nvSpPr>
+        <p:spPr>
+          <a:xfrm>
+            <a:off x="883" y="6589794"/>
+            <a:ext cx="12434710" cy="415870"/>
+          </a:xfrm>
+          <a:prstGeom prst="rect">
+            <a:avLst/>
+          </a:prstGeom>
+          <a:solidFill>
+            <a:srgbClr val="292929"/>
+          </a:solidFill>
+        </p:spPr>
+        <p:txBody>
+          <a:bodyPr vert="horz" lIns="93247" tIns="46623" rIns="93247" bIns="46623" rtlCol="0">
+            <a:noAutofit/>
+          </a:bodyPr>
+          <a:lstStyle>
+            <a:lvl1pPr marL="342900" indent="-342900" algn="l" defTabSz="914400" rtl="0" eaLnBrk="1" latinLnBrk="0" hangingPunct="1">
+              <a:lnSpc>
+                <a:spcPts val="2600"/>
+              </a:lnSpc>
+              <a:spcBef>
+                <a:spcPct val="20000"/>
+              </a:spcBef>
+              <a:buFont typeface="Arial" pitchFamily="34" charset="0"/>
+              <a:buChar char="•"/>
+              <a:defRPr sz="1600" kern="1200">
+                <a:solidFill>
+                  <a:schemeClr val="accent1">
+                    <a:lumMod val="50000"/>
+                  </a:schemeClr>
+                </a:solidFill>
+                <a:latin typeface="Segoe UI Light" panose="020B0502040204020203" pitchFamily="34" charset="0"/>
+                <a:ea typeface="+mn-ea"/>
+                <a:cs typeface="Segoe UI Light" panose="020B0502040204020203" pitchFamily="34" charset="0"/>
+              </a:defRPr>
+            </a:lvl1pPr>
+            <a:lvl2pPr marL="742950" indent="-285750" algn="l" defTabSz="914400" rtl="0" eaLnBrk="1" latinLnBrk="0" hangingPunct="1">
+              <a:lnSpc>
+                <a:spcPts val="2600"/>
+              </a:lnSpc>
+              <a:spcBef>
+                <a:spcPct val="20000"/>
+              </a:spcBef>
+              <a:buFont typeface="Arial" pitchFamily="34" charset="0"/>
+              <a:buChar char="•"/>
+              <a:defRPr sz="1600" kern="1200">
+                <a:solidFill>
+                  <a:schemeClr val="accent1">
+                    <a:lumMod val="50000"/>
+                  </a:schemeClr>
+                </a:solidFill>
+                <a:latin typeface="Segoe UI Light" panose="020B0502040204020203" pitchFamily="34" charset="0"/>
+                <a:ea typeface="+mn-ea"/>
+                <a:cs typeface="Segoe UI Light" panose="020B0502040204020203" pitchFamily="34" charset="0"/>
+              </a:defRPr>
+            </a:lvl2pPr>
+            <a:lvl3pPr marL="1143000" indent="-228600" algn="l" defTabSz="914400" rtl="0" eaLnBrk="1" latinLnBrk="0" hangingPunct="1">
+              <a:lnSpc>
+                <a:spcPts val="2600"/>
+              </a:lnSpc>
+              <a:spcBef>
+                <a:spcPct val="20000"/>
+              </a:spcBef>
+              <a:buFont typeface="Arial" pitchFamily="34" charset="0"/>
+              <a:buChar char="•"/>
+              <a:defRPr sz="1600" kern="1200">
+                <a:solidFill>
+                  <a:schemeClr val="accent1">
+                    <a:lumMod val="50000"/>
+                  </a:schemeClr>
+                </a:solidFill>
+                <a:latin typeface="Segoe UI Light" panose="020B0502040204020203" pitchFamily="34" charset="0"/>
+                <a:ea typeface="+mn-ea"/>
+                <a:cs typeface="Segoe UI Light" panose="020B0502040204020203" pitchFamily="34" charset="0"/>
+              </a:defRPr>
+            </a:lvl3pPr>
+            <a:lvl4pPr marL="1600200" indent="-228600" algn="l" defTabSz="914400" rtl="0" eaLnBrk="1" latinLnBrk="0" hangingPunct="1">
+              <a:lnSpc>
+                <a:spcPts val="2600"/>
+              </a:lnSpc>
+              <a:spcBef>
+                <a:spcPct val="20000"/>
+              </a:spcBef>
+              <a:buFont typeface="Arial" pitchFamily="34" charset="0"/>
+              <a:buChar char="–"/>
+              <a:defRPr sz="1600" kern="1200">
+                <a:solidFill>
+                  <a:schemeClr val="accent1">
+                    <a:lumMod val="50000"/>
+                  </a:schemeClr>
+                </a:solidFill>
+                <a:latin typeface="Segoe UI Light" panose="020B0502040204020203" pitchFamily="34" charset="0"/>
+                <a:ea typeface="+mn-ea"/>
+                <a:cs typeface="Segoe UI Light" panose="020B0502040204020203" pitchFamily="34" charset="0"/>
+              </a:defRPr>
+            </a:lvl4pPr>
+            <a:lvl5pPr marL="2057400" indent="-228600" algn="l" defTabSz="914400" rtl="0" eaLnBrk="1" latinLnBrk="0" hangingPunct="1">
+              <a:lnSpc>
+                <a:spcPts val="2600"/>
+              </a:lnSpc>
+              <a:spcBef>
+                <a:spcPct val="20000"/>
+              </a:spcBef>
+              <a:buFont typeface="Arial" pitchFamily="34" charset="0"/>
+              <a:buChar char="»"/>
+              <a:defRPr sz="1600" kern="1200">
+                <a:solidFill>
+                  <a:schemeClr val="accent1">
+                    <a:lumMod val="50000"/>
+                  </a:schemeClr>
+                </a:solidFill>
+                <a:latin typeface="Segoe UI Light" panose="020B0502040204020203" pitchFamily="34" charset="0"/>
+                <a:ea typeface="+mn-ea"/>
+                <a:cs typeface="Segoe UI Light" panose="020B0502040204020203" pitchFamily="34" charset="0"/>
+              </a:defRPr>
+            </a:lvl5pPr>
+            <a:lvl6pPr marL="2514600" indent="-228600" algn="l" defTabSz="914400" rtl="0" eaLnBrk="1" latinLnBrk="0" hangingPunct="1">
+              <a:spcBef>
+                <a:spcPct val="20000"/>
+              </a:spcBef>
+              <a:buFont typeface="Arial" pitchFamily="34" charset="0"/>
+              <a:buChar char="•"/>
+              <a:defRPr sz="2000" kern="1200">
+                <a:solidFill>
+                  <a:schemeClr val="tx1"/>
+                </a:solidFill>
+                <a:latin typeface="+mn-lt"/>
+                <a:ea typeface="+mn-ea"/>
+                <a:cs typeface="+mn-cs"/>
+              </a:defRPr>
+            </a:lvl6pPr>
+            <a:lvl7pPr marL="2971800" indent="-228600" algn="l" defTabSz="914400" rtl="0" eaLnBrk="1" latinLnBrk="0" hangingPunct="1">
+              <a:spcBef>
+                <a:spcPct val="20000"/>
+              </a:spcBef>
+              <a:buFont typeface="Arial" pitchFamily="34" charset="0"/>
+              <a:buChar char="•"/>
+              <a:defRPr sz="2000" kern="1200">
+                <a:solidFill>
+                  <a:schemeClr val="tx1"/>
+                </a:solidFill>
+                <a:latin typeface="+mn-lt"/>
+                <a:ea typeface="+mn-ea"/>
+                <a:cs typeface="+mn-cs"/>
+              </a:defRPr>
+            </a:lvl7pPr>
+            <a:lvl8pPr marL="3429000" indent="-228600" algn="l" defTabSz="914400" rtl="0" eaLnBrk="1" latinLnBrk="0" hangingPunct="1">
+              <a:spcBef>
+                <a:spcPct val="20000"/>
+              </a:spcBef>
+              <a:buFont typeface="Arial" pitchFamily="34" charset="0"/>
+              <a:buChar char="•"/>
+              <a:defRPr sz="2000" kern="1200">
+                <a:solidFill>
+                  <a:schemeClr val="tx1"/>
+                </a:solidFill>
+                <a:latin typeface="+mn-lt"/>
+                <a:ea typeface="+mn-ea"/>
+                <a:cs typeface="+mn-cs"/>
+              </a:defRPr>
+            </a:lvl8pPr>
+            <a:lvl9pPr marL="3886200" indent="-228600" algn="l" defTabSz="914400" rtl="0" eaLnBrk="1" latinLnBrk="0" hangingPunct="1">
+              <a:spcBef>
+                <a:spcPct val="20000"/>
+              </a:spcBef>
+              <a:buFont typeface="Arial" pitchFamily="34" charset="0"/>
+              <a:buChar char="•"/>
+              <a:defRPr sz="2000" kern="1200">
+                <a:solidFill>
+                  <a:schemeClr val="tx1"/>
+                </a:solidFill>
+                <a:latin typeface="+mn-lt"/>
+                <a:ea typeface="+mn-ea"/>
+                <a:cs typeface="+mn-cs"/>
+              </a:defRPr>
+            </a:lvl9pPr>
+          </a:lstStyle>
+          <a:p>
+            <a:pPr marL="0" indent="0" algn="ctr">
+              <a:lnSpc>
+                <a:spcPct val="100000"/>
+              </a:lnSpc>
+              <a:buNone/>
+            </a:pPr>
+            <a:r>
+              <a:rPr lang="pt-BR" sz="1836" spc="300" dirty="0">
+                <a:solidFill>
+                  <a:schemeClr val="bg1"/>
+                </a:solidFill>
+              </a:rPr>
+              <a:t>https://renatogroffe.medium.com</a:t>
+            </a:r>
+          </a:p>
+        </p:txBody>
+      </p:sp>
+      <p:pic>
+        <p:nvPicPr>
+          <p:cNvPr id="21" name="Imagem 20">
+            <a:extLst>
+              <a:ext uri="{FF2B5EF4-FFF2-40B4-BE49-F238E27FC236}">
+                <a16:creationId xmlns:a16="http://schemas.microsoft.com/office/drawing/2014/main" id="{F16374F2-EFE7-4775-AD13-95766DD404A0}"/>
+              </a:ext>
+            </a:extLst>
+          </p:cNvPr>
+          <p:cNvPicPr>
+            <a:picLocks noChangeAspect="1"/>
+          </p:cNvPicPr>
+          <p:nvPr/>
+        </p:nvPicPr>
+        <p:blipFill>
+          <a:blip r:embed="rId3"/>
+          <a:stretch>
+            <a:fillRect/>
+          </a:stretch>
+        </p:blipFill>
+        <p:spPr>
+          <a:xfrm>
+            <a:off x="9148614" y="472111"/>
+            <a:ext cx="2064045" cy="2290202"/>
+          </a:xfrm>
+          <a:prstGeom prst="rect">
+            <a:avLst/>
+          </a:prstGeom>
+        </p:spPr>
+      </p:pic>
+      <p:pic>
+        <p:nvPicPr>
+          <p:cNvPr id="9" name="Picture 2" descr="http://www.codeisahighway.com/content/images/2015/10/MVP_Logo_Horizontal_Preferred_Cyan300_RGB_300ppi.png">
+            <a:extLst>
+              <a:ext uri="{FF2B5EF4-FFF2-40B4-BE49-F238E27FC236}">
+                <a16:creationId xmlns:a16="http://schemas.microsoft.com/office/drawing/2014/main" id="{C942EB67-E85D-42B0-8C54-899E7CBFA89F}"/>
+              </a:ext>
+            </a:extLst>
+          </p:cNvPr>
+          <p:cNvPicPr>
+            <a:picLocks noChangeAspect="1" noChangeArrowheads="1"/>
+          </p:cNvPicPr>
+          <p:nvPr/>
+        </p:nvPicPr>
+        <p:blipFill>
+          <a:blip r:embed="rId4">
+            <a:extLst>
+              <a:ext uri="{28A0092B-C50C-407E-A947-70E740481C1C}">
+                <a14:useLocalDpi xmlns:a14="http://schemas.microsoft.com/office/drawing/2010/main" val="0"/>
+              </a:ext>
+            </a:extLst>
+          </a:blip>
+          <a:srcRect/>
+          <a:stretch>
+            <a:fillRect/>
+          </a:stretch>
+        </p:blipFill>
+        <p:spPr bwMode="auto">
+          <a:xfrm>
+            <a:off x="9159726" y="3083121"/>
+            <a:ext cx="2052933" cy="828281"/>
+          </a:xfrm>
+          <a:prstGeom prst="rect">
+            <a:avLst/>
+          </a:prstGeom>
+          <a:noFill/>
+          <a:extLst>
+            <a:ext uri="{909E8E84-426E-40DD-AFC4-6F175D3DCCD1}">
+              <a14:hiddenFill xmlns:a14="http://schemas.microsoft.com/office/drawing/2010/main">
+                <a:solidFill>
+                  <a:srgbClr val="FFFFFF"/>
+                </a:solidFill>
+              </a14:hiddenFill>
+            </a:ext>
+          </a:extLst>
+        </p:spPr>
+      </p:pic>
+      <p:pic>
+        <p:nvPicPr>
+          <p:cNvPr id="6" name="Imagem 5" descr="Placa branca com texto preto sobre fundo azul&#10;&#10;Descrição gerada automaticamente">
+            <a:extLst>
+              <a:ext uri="{FF2B5EF4-FFF2-40B4-BE49-F238E27FC236}">
+                <a16:creationId xmlns:a16="http://schemas.microsoft.com/office/drawing/2014/main" id="{A06A382F-CB5E-49D3-A714-BF89782F31D2}"/>
+              </a:ext>
+            </a:extLst>
+          </p:cNvPr>
+          <p:cNvPicPr>
+            <a:picLocks noChangeAspect="1"/>
+          </p:cNvPicPr>
+          <p:nvPr/>
+        </p:nvPicPr>
+        <p:blipFill>
+          <a:blip r:embed="rId5">
+            <a:extLst>
+              <a:ext uri="{28A0092B-C50C-407E-A947-70E740481C1C}">
+                <a14:useLocalDpi xmlns:a14="http://schemas.microsoft.com/office/drawing/2010/main" val="0"/>
+              </a:ext>
+            </a:extLst>
+          </a:blip>
+          <a:stretch>
+            <a:fillRect/>
+          </a:stretch>
+        </p:blipFill>
+        <p:spPr>
+          <a:xfrm>
+            <a:off x="10510933" y="4142337"/>
+            <a:ext cx="1403451" cy="1403451"/>
+          </a:xfrm>
+          <a:prstGeom prst="rect">
+            <a:avLst/>
+          </a:prstGeom>
+        </p:spPr>
+      </p:pic>
+      <p:pic>
+        <p:nvPicPr>
+          <p:cNvPr id="5" name="Imagem 4">
+            <a:extLst>
+              <a:ext uri="{FF2B5EF4-FFF2-40B4-BE49-F238E27FC236}">
+                <a16:creationId xmlns:a16="http://schemas.microsoft.com/office/drawing/2014/main" id="{F1C07B8D-D885-A29F-54DF-949F73653865}"/>
+              </a:ext>
+            </a:extLst>
+          </p:cNvPr>
+          <p:cNvPicPr>
+            <a:picLocks noChangeAspect="1"/>
+          </p:cNvPicPr>
+          <p:nvPr/>
+        </p:nvPicPr>
+        <p:blipFill>
+          <a:blip r:embed="rId6"/>
+          <a:stretch>
+            <a:fillRect/>
+          </a:stretch>
+        </p:blipFill>
+        <p:spPr>
+          <a:xfrm>
+            <a:off x="9079155" y="4836355"/>
+            <a:ext cx="1600799" cy="1600799"/>
+          </a:xfrm>
+          <a:prstGeom prst="rect">
+            <a:avLst/>
+          </a:prstGeom>
+        </p:spPr>
+      </p:pic>
+      <p:pic>
+        <p:nvPicPr>
+          <p:cNvPr id="7" name="Imagem 6" descr="Placa azul com letras brancas&#10;&#10;O conteúdo gerado por IA pode estar incorreto.">
+            <a:extLst>
+              <a:ext uri="{FF2B5EF4-FFF2-40B4-BE49-F238E27FC236}">
+                <a16:creationId xmlns:a16="http://schemas.microsoft.com/office/drawing/2014/main" id="{CAB713EA-9E3B-51D0-845C-81E073A9D4D1}"/>
+              </a:ext>
+            </a:extLst>
+          </p:cNvPr>
+          <p:cNvPicPr>
+            <a:picLocks noChangeAspect="1"/>
+          </p:cNvPicPr>
+          <p:nvPr/>
+        </p:nvPicPr>
+        <p:blipFill>
+          <a:blip r:embed="rId7"/>
+          <a:stretch>
+            <a:fillRect/>
+          </a:stretch>
+        </p:blipFill>
+        <p:spPr>
+          <a:xfrm>
+            <a:off x="8105735" y="3702897"/>
+            <a:ext cx="1699365" cy="1699365"/>
+          </a:xfrm>
+          <a:prstGeom prst="rect">
+            <a:avLst/>
+          </a:prstGeom>
+        </p:spPr>
+      </p:pic>
+      <p:pic>
+        <p:nvPicPr>
+          <p:cNvPr id="8" name="Imagem 7" descr="Código QR&#10;&#10;O conteúdo gerado por IA pode estar incorreto.">
+            <a:extLst>
+              <a:ext uri="{FF2B5EF4-FFF2-40B4-BE49-F238E27FC236}">
+                <a16:creationId xmlns:a16="http://schemas.microsoft.com/office/drawing/2014/main" id="{A34DD808-8EF3-F69C-34FC-10308833E488}"/>
+              </a:ext>
+            </a:extLst>
+          </p:cNvPr>
+          <p:cNvPicPr>
+            <a:picLocks noChangeAspect="1"/>
+          </p:cNvPicPr>
+          <p:nvPr/>
+        </p:nvPicPr>
+        <p:blipFill>
+          <a:blip r:embed="rId8"/>
+          <a:stretch>
+            <a:fillRect/>
+          </a:stretch>
+        </p:blipFill>
+        <p:spPr>
+          <a:xfrm>
+            <a:off x="5318719" y="4407456"/>
+            <a:ext cx="2029698" cy="2029698"/>
+          </a:xfrm>
+          <a:prstGeom prst="rect">
+            <a:avLst/>
+          </a:prstGeom>
+        </p:spPr>
+      </p:pic>
+    </p:spTree>
+    <p:extLst>
+      <p:ext uri="{BB962C8B-B14F-4D97-AF65-F5344CB8AC3E}">
+        <p14:creationId xmlns:p14="http://schemas.microsoft.com/office/powerpoint/2010/main" val="458081820"/>
+      </p:ext>
+    </p:extLst>
+  </p:cSld>
+  <p:clrMapOvr>
+    <a:masterClrMapping/>
+  </p:clrMapOvr>
+  <mc:AlternateContent xmlns:mc="http://schemas.openxmlformats.org/markup-compatibility/2006" xmlns:p14="http://schemas.microsoft.com/office/powerpoint/2010/main">
+    <mc:Choice Requires="p14">
+      <p:transition spd="med" p14:dur="700">
+        <p:fade/>
+      </p:transition>
+    </mc:Choice>
+    <mc:Fallback xmlns="">
+      <p:transition spd="med">
+        <p:fade/>
+      </p:transition>
+    </mc:Fallback>
+  </mc:AlternateContent>
+</p:sld>
+</file>
+
+<file path=ppt/slides/slide20.xml><?xml version="1.0" encoding="utf-8"?>
+<p:sld xmlns:a="http://schemas.openxmlformats.org/drawingml/2006/main" xmlns:r="http://schemas.openxmlformats.org/officeDocument/2006/relationships" xmlns:p="http://schemas.openxmlformats.org/presentationml/2006/main">
+  <p:cSld>
     <p:bg>
       <p:bgPr>
         <a:solidFill>
@@ -31773,810 +32642,6 @@
     <p:extLst>
       <p:ext uri="{BB962C8B-B14F-4D97-AF65-F5344CB8AC3E}">
         <p14:creationId xmlns:p14="http://schemas.microsoft.com/office/powerpoint/2010/main" val="2082168571"/>
-      </p:ext>
-    </p:extLst>
-  </p:cSld>
-  <p:clrMapOvr>
-    <a:masterClrMapping/>
-  </p:clrMapOvr>
-  <mc:AlternateContent xmlns:mc="http://schemas.openxmlformats.org/markup-compatibility/2006" xmlns:p14="http://schemas.microsoft.com/office/powerpoint/2010/main">
-    <mc:Choice Requires="p14">
-      <p:transition spd="med" p14:dur="700">
-        <p:fade/>
-      </p:transition>
-    </mc:Choice>
-    <mc:Fallback xmlns="">
-      <p:transition spd="med">
-        <p:fade/>
-      </p:transition>
-    </mc:Fallback>
-  </mc:AlternateContent>
-</p:sld>
-</file>
-
-<file path=ppt/slides/slide2.xml><?xml version="1.0" encoding="utf-8"?>
-<p:sld xmlns:a="http://schemas.openxmlformats.org/drawingml/2006/main" xmlns:r="http://schemas.openxmlformats.org/officeDocument/2006/relationships" xmlns:p="http://schemas.openxmlformats.org/presentationml/2006/main">
-  <p:cSld>
-    <p:spTree>
-      <p:nvGrpSpPr>
-        <p:cNvPr id="1" name=""/>
-        <p:cNvGrpSpPr/>
-        <p:nvPr/>
-      </p:nvGrpSpPr>
-      <p:grpSpPr>
-        <a:xfrm>
-          <a:off x="0" y="0"/>
-          <a:ext cx="0" cy="0"/>
-          <a:chOff x="0" y="0"/>
-          <a:chExt cx="0" cy="0"/>
-        </a:xfrm>
-      </p:grpSpPr>
-      <p:sp>
-        <p:nvSpPr>
-          <p:cNvPr id="2" name="Content Placeholder 1"/>
-          <p:cNvSpPr>
-            <a:spLocks noGrp="1"/>
-          </p:cNvSpPr>
-          <p:nvPr>
-            <p:ph idx="1"/>
-          </p:nvPr>
-        </p:nvSpPr>
-        <p:spPr>
-          <a:xfrm>
-            <a:off x="201916" y="1135062"/>
-            <a:ext cx="7692721" cy="5867400"/>
-          </a:xfrm>
-        </p:spPr>
-        <p:txBody>
-          <a:bodyPr>
-            <a:noAutofit/>
-          </a:bodyPr>
-          <a:lstStyle/>
-          <a:p>
-            <a:pPr>
-              <a:lnSpc>
-                <a:spcPct val="100000"/>
-              </a:lnSpc>
-            </a:pPr>
-            <a:r>
-              <a:rPr lang="pt-BR" sz="2400" dirty="0">
-                <a:solidFill>
-                  <a:schemeClr val="tx1">
-                    <a:lumMod val="75000"/>
-                    <a:lumOff val="25000"/>
-                  </a:schemeClr>
-                </a:solidFill>
-              </a:rPr>
-              <a:t>Microsoft Most </a:t>
-            </a:r>
-            <a:r>
-              <a:rPr lang="pt-BR" sz="2400" dirty="0" err="1">
-                <a:solidFill>
-                  <a:schemeClr val="tx1">
-                    <a:lumMod val="75000"/>
-                    <a:lumOff val="25000"/>
-                  </a:schemeClr>
-                </a:solidFill>
-              </a:rPr>
-              <a:t>Valuable</a:t>
-            </a:r>
-            <a:r>
-              <a:rPr lang="pt-BR" sz="2400" dirty="0">
-                <a:solidFill>
-                  <a:schemeClr val="tx1">
-                    <a:lumMod val="75000"/>
-                    <a:lumOff val="25000"/>
-                  </a:schemeClr>
-                </a:solidFill>
-              </a:rPr>
-              <a:t> Professional (MVP)</a:t>
-            </a:r>
-          </a:p>
-          <a:p>
-            <a:pPr>
-              <a:lnSpc>
-                <a:spcPct val="100000"/>
-              </a:lnSpc>
-            </a:pPr>
-            <a:r>
-              <a:rPr lang="pt-BR" sz="2400" dirty="0">
-                <a:solidFill>
-                  <a:schemeClr val="tx1">
-                    <a:lumMod val="75000"/>
-                    <a:lumOff val="25000"/>
-                  </a:schemeClr>
-                </a:solidFill>
-              </a:rPr>
-              <a:t>Docker </a:t>
-            </a:r>
-            <a:r>
-              <a:rPr lang="pt-BR" sz="2400" dirty="0" err="1">
-                <a:solidFill>
-                  <a:schemeClr val="tx1">
-                    <a:lumMod val="75000"/>
-                    <a:lumOff val="25000"/>
-                  </a:schemeClr>
-                </a:solidFill>
-              </a:rPr>
-              <a:t>Captain</a:t>
-            </a:r>
-            <a:endParaRPr lang="pt-BR" sz="2400" dirty="0">
-              <a:solidFill>
-                <a:schemeClr val="tx1">
-                  <a:lumMod val="75000"/>
-                  <a:lumOff val="25000"/>
-                </a:schemeClr>
-              </a:solidFill>
-            </a:endParaRPr>
-          </a:p>
-          <a:p>
-            <a:pPr>
-              <a:lnSpc>
-                <a:spcPct val="100000"/>
-              </a:lnSpc>
-            </a:pPr>
-            <a:r>
-              <a:rPr lang="pt-BR" sz="2400" dirty="0" err="1">
-                <a:solidFill>
-                  <a:schemeClr val="tx1">
-                    <a:lumMod val="75000"/>
-                    <a:lumOff val="25000"/>
-                  </a:schemeClr>
-                </a:solidFill>
-              </a:rPr>
-              <a:t>APIsec</a:t>
-            </a:r>
-            <a:r>
-              <a:rPr lang="pt-BR" sz="2400" dirty="0">
-                <a:solidFill>
-                  <a:schemeClr val="tx1">
-                    <a:lumMod val="75000"/>
-                    <a:lumOff val="25000"/>
-                  </a:schemeClr>
-                </a:solidFill>
-              </a:rPr>
-              <a:t> U </a:t>
-            </a:r>
-            <a:r>
-              <a:rPr lang="pt-BR" sz="2400" dirty="0" err="1">
-                <a:solidFill>
-                  <a:schemeClr val="tx1">
-                    <a:lumMod val="75000"/>
-                    <a:lumOff val="25000"/>
-                  </a:schemeClr>
-                </a:solidFill>
-              </a:rPr>
-              <a:t>Ambassador</a:t>
-            </a:r>
-            <a:endParaRPr lang="pt-BR" sz="2400" dirty="0">
-              <a:solidFill>
-                <a:schemeClr val="tx1">
-                  <a:lumMod val="75000"/>
-                  <a:lumOff val="25000"/>
-                </a:schemeClr>
-              </a:solidFill>
-            </a:endParaRPr>
-          </a:p>
-          <a:p>
-            <a:pPr>
-              <a:lnSpc>
-                <a:spcPct val="100000"/>
-              </a:lnSpc>
-            </a:pPr>
-            <a:r>
-              <a:rPr lang="pt-BR" sz="2400" dirty="0" err="1">
-                <a:solidFill>
-                  <a:schemeClr val="tx1">
-                    <a:lumMod val="75000"/>
-                    <a:lumOff val="25000"/>
-                  </a:schemeClr>
-                </a:solidFill>
-              </a:rPr>
-              <a:t>Multi-Plataform</a:t>
-            </a:r>
-            <a:r>
-              <a:rPr lang="pt-BR" sz="2400" dirty="0">
-                <a:solidFill>
-                  <a:schemeClr val="tx1">
-                    <a:lumMod val="75000"/>
-                    <a:lumOff val="25000"/>
-                  </a:schemeClr>
-                </a:solidFill>
-              </a:rPr>
-              <a:t> </a:t>
-            </a:r>
-            <a:r>
-              <a:rPr lang="pt-BR" sz="2400" dirty="0" err="1">
-                <a:solidFill>
-                  <a:schemeClr val="tx1">
-                    <a:lumMod val="75000"/>
-                    <a:lumOff val="25000"/>
-                  </a:schemeClr>
-                </a:solidFill>
-              </a:rPr>
-              <a:t>Technical</a:t>
-            </a:r>
-            <a:r>
-              <a:rPr lang="pt-BR" sz="2400" dirty="0">
-                <a:solidFill>
-                  <a:schemeClr val="tx1">
-                    <a:lumMod val="75000"/>
-                    <a:lumOff val="25000"/>
-                  </a:schemeClr>
-                </a:solidFill>
-              </a:rPr>
-              <a:t> </a:t>
-            </a:r>
-            <a:r>
-              <a:rPr lang="pt-BR" sz="2400" dirty="0" err="1">
-                <a:solidFill>
-                  <a:schemeClr val="tx1">
-                    <a:lumMod val="75000"/>
-                    <a:lumOff val="25000"/>
-                  </a:schemeClr>
-                </a:solidFill>
-              </a:rPr>
-              <a:t>Audience</a:t>
-            </a:r>
-            <a:r>
-              <a:rPr lang="pt-BR" sz="2400" dirty="0">
-                <a:solidFill>
-                  <a:schemeClr val="tx1">
-                    <a:lumMod val="75000"/>
-                    <a:lumOff val="25000"/>
-                  </a:schemeClr>
-                </a:solidFill>
-              </a:rPr>
-              <a:t> </a:t>
-            </a:r>
-            <a:r>
-              <a:rPr lang="pt-BR" sz="2400" dirty="0" err="1">
-                <a:solidFill>
-                  <a:schemeClr val="tx1">
-                    <a:lumMod val="75000"/>
-                    <a:lumOff val="25000"/>
-                  </a:schemeClr>
-                </a:solidFill>
-              </a:rPr>
-              <a:t>Contributor</a:t>
-            </a:r>
-            <a:r>
-              <a:rPr lang="pt-BR" sz="2400" dirty="0">
-                <a:solidFill>
-                  <a:schemeClr val="tx1">
-                    <a:lumMod val="75000"/>
-                    <a:lumOff val="25000"/>
-                  </a:schemeClr>
-                </a:solidFill>
-              </a:rPr>
-              <a:t> (MTAC)</a:t>
-            </a:r>
-          </a:p>
-          <a:p>
-            <a:pPr>
-              <a:lnSpc>
-                <a:spcPct val="100000"/>
-              </a:lnSpc>
-            </a:pPr>
-            <a:r>
-              <a:rPr lang="pt-BR" sz="2400" dirty="0">
-                <a:solidFill>
-                  <a:schemeClr val="tx1">
-                    <a:lumMod val="75000"/>
-                    <a:lumOff val="25000"/>
-                  </a:schemeClr>
-                </a:solidFill>
-              </a:rPr>
-              <a:t>Arquiteto de Soluções/Software</a:t>
-            </a:r>
-          </a:p>
-          <a:p>
-            <a:pPr>
-              <a:lnSpc>
-                <a:spcPct val="100000"/>
-              </a:lnSpc>
-            </a:pPr>
-            <a:r>
-              <a:rPr lang="pt-BR" sz="2400" dirty="0">
-                <a:solidFill>
-                  <a:schemeClr val="tx1">
-                    <a:lumMod val="75000"/>
-                    <a:lumOff val="25000"/>
-                  </a:schemeClr>
-                </a:solidFill>
-              </a:rPr>
-              <a:t>+20 anos de experiência na área de Tecnologia</a:t>
-            </a:r>
-          </a:p>
-          <a:p>
-            <a:pPr>
-              <a:lnSpc>
-                <a:spcPct val="100000"/>
-              </a:lnSpc>
-            </a:pPr>
-            <a:r>
-              <a:rPr lang="pt-BR" sz="2400" dirty="0">
-                <a:solidFill>
-                  <a:schemeClr val="tx1">
-                    <a:lumMod val="75000"/>
-                    <a:lumOff val="25000"/>
-                  </a:schemeClr>
-                </a:solidFill>
-              </a:rPr>
-              <a:t>Community </a:t>
-            </a:r>
-            <a:r>
-              <a:rPr lang="pt-BR" sz="2400" dirty="0" err="1">
-                <a:solidFill>
-                  <a:schemeClr val="tx1">
-                    <a:lumMod val="75000"/>
-                    <a:lumOff val="25000"/>
-                  </a:schemeClr>
-                </a:solidFill>
-              </a:rPr>
-              <a:t>Leader</a:t>
-            </a:r>
-            <a:r>
-              <a:rPr lang="pt-BR" sz="2400" dirty="0">
-                <a:solidFill>
-                  <a:schemeClr val="tx1">
-                    <a:lumMod val="75000"/>
-                    <a:lumOff val="25000"/>
-                  </a:schemeClr>
-                </a:solidFill>
-              </a:rPr>
-              <a:t>, Autor Técnico e Palestrante</a:t>
-            </a:r>
-          </a:p>
-        </p:txBody>
-      </p:sp>
-      <p:sp>
-        <p:nvSpPr>
-          <p:cNvPr id="3" name="Title 2"/>
-          <p:cNvSpPr>
-            <a:spLocks noGrp="1"/>
-          </p:cNvSpPr>
-          <p:nvPr>
-            <p:ph type="title"/>
-          </p:nvPr>
-        </p:nvSpPr>
-        <p:spPr>
-          <a:xfrm>
-            <a:off x="350837" y="36366"/>
-            <a:ext cx="5541788" cy="1174896"/>
-          </a:xfrm>
-        </p:spPr>
-        <p:txBody>
-          <a:bodyPr anchor="ctr">
-            <a:normAutofit/>
-          </a:bodyPr>
-          <a:lstStyle/>
-          <a:p>
-            <a:pPr algn="l"/>
-            <a:r>
-              <a:rPr lang="pt-PT" sz="4488" b="1" dirty="0">
-                <a:solidFill>
-                  <a:schemeClr val="bg2">
-                    <a:lumMod val="25000"/>
-                  </a:schemeClr>
-                </a:solidFill>
-              </a:rPr>
-              <a:t>Renato Groffe</a:t>
-            </a:r>
-          </a:p>
-        </p:txBody>
-      </p:sp>
-      <p:sp>
-        <p:nvSpPr>
-          <p:cNvPr id="17" name="Content Placeholder 1"/>
-          <p:cNvSpPr txBox="1">
-            <a:spLocks/>
-          </p:cNvSpPr>
-          <p:nvPr/>
-        </p:nvSpPr>
-        <p:spPr>
-          <a:xfrm>
-            <a:off x="883" y="6589794"/>
-            <a:ext cx="12434710" cy="415870"/>
-          </a:xfrm>
-          <a:prstGeom prst="rect">
-            <a:avLst/>
-          </a:prstGeom>
-          <a:solidFill>
-            <a:srgbClr val="292929"/>
-          </a:solidFill>
-        </p:spPr>
-        <p:txBody>
-          <a:bodyPr vert="horz" lIns="93247" tIns="46623" rIns="93247" bIns="46623" rtlCol="0">
-            <a:noAutofit/>
-          </a:bodyPr>
-          <a:lstStyle>
-            <a:lvl1pPr marL="342900" indent="-342900" algn="l" defTabSz="914400" rtl="0" eaLnBrk="1" latinLnBrk="0" hangingPunct="1">
-              <a:lnSpc>
-                <a:spcPts val="2600"/>
-              </a:lnSpc>
-              <a:spcBef>
-                <a:spcPct val="20000"/>
-              </a:spcBef>
-              <a:buFont typeface="Arial" pitchFamily="34" charset="0"/>
-              <a:buChar char="•"/>
-              <a:defRPr sz="1600" kern="1200">
-                <a:solidFill>
-                  <a:schemeClr val="accent1">
-                    <a:lumMod val="50000"/>
-                  </a:schemeClr>
-                </a:solidFill>
-                <a:latin typeface="Segoe UI Light" panose="020B0502040204020203" pitchFamily="34" charset="0"/>
-                <a:ea typeface="+mn-ea"/>
-                <a:cs typeface="Segoe UI Light" panose="020B0502040204020203" pitchFamily="34" charset="0"/>
-              </a:defRPr>
-            </a:lvl1pPr>
-            <a:lvl2pPr marL="742950" indent="-285750" algn="l" defTabSz="914400" rtl="0" eaLnBrk="1" latinLnBrk="0" hangingPunct="1">
-              <a:lnSpc>
-                <a:spcPts val="2600"/>
-              </a:lnSpc>
-              <a:spcBef>
-                <a:spcPct val="20000"/>
-              </a:spcBef>
-              <a:buFont typeface="Arial" pitchFamily="34" charset="0"/>
-              <a:buChar char="•"/>
-              <a:defRPr sz="1600" kern="1200">
-                <a:solidFill>
-                  <a:schemeClr val="accent1">
-                    <a:lumMod val="50000"/>
-                  </a:schemeClr>
-                </a:solidFill>
-                <a:latin typeface="Segoe UI Light" panose="020B0502040204020203" pitchFamily="34" charset="0"/>
-                <a:ea typeface="+mn-ea"/>
-                <a:cs typeface="Segoe UI Light" panose="020B0502040204020203" pitchFamily="34" charset="0"/>
-              </a:defRPr>
-            </a:lvl2pPr>
-            <a:lvl3pPr marL="1143000" indent="-228600" algn="l" defTabSz="914400" rtl="0" eaLnBrk="1" latinLnBrk="0" hangingPunct="1">
-              <a:lnSpc>
-                <a:spcPts val="2600"/>
-              </a:lnSpc>
-              <a:spcBef>
-                <a:spcPct val="20000"/>
-              </a:spcBef>
-              <a:buFont typeface="Arial" pitchFamily="34" charset="0"/>
-              <a:buChar char="•"/>
-              <a:defRPr sz="1600" kern="1200">
-                <a:solidFill>
-                  <a:schemeClr val="accent1">
-                    <a:lumMod val="50000"/>
-                  </a:schemeClr>
-                </a:solidFill>
-                <a:latin typeface="Segoe UI Light" panose="020B0502040204020203" pitchFamily="34" charset="0"/>
-                <a:ea typeface="+mn-ea"/>
-                <a:cs typeface="Segoe UI Light" panose="020B0502040204020203" pitchFamily="34" charset="0"/>
-              </a:defRPr>
-            </a:lvl3pPr>
-            <a:lvl4pPr marL="1600200" indent="-228600" algn="l" defTabSz="914400" rtl="0" eaLnBrk="1" latinLnBrk="0" hangingPunct="1">
-              <a:lnSpc>
-                <a:spcPts val="2600"/>
-              </a:lnSpc>
-              <a:spcBef>
-                <a:spcPct val="20000"/>
-              </a:spcBef>
-              <a:buFont typeface="Arial" pitchFamily="34" charset="0"/>
-              <a:buChar char="–"/>
-              <a:defRPr sz="1600" kern="1200">
-                <a:solidFill>
-                  <a:schemeClr val="accent1">
-                    <a:lumMod val="50000"/>
-                  </a:schemeClr>
-                </a:solidFill>
-                <a:latin typeface="Segoe UI Light" panose="020B0502040204020203" pitchFamily="34" charset="0"/>
-                <a:ea typeface="+mn-ea"/>
-                <a:cs typeface="Segoe UI Light" panose="020B0502040204020203" pitchFamily="34" charset="0"/>
-              </a:defRPr>
-            </a:lvl4pPr>
-            <a:lvl5pPr marL="2057400" indent="-228600" algn="l" defTabSz="914400" rtl="0" eaLnBrk="1" latinLnBrk="0" hangingPunct="1">
-              <a:lnSpc>
-                <a:spcPts val="2600"/>
-              </a:lnSpc>
-              <a:spcBef>
-                <a:spcPct val="20000"/>
-              </a:spcBef>
-              <a:buFont typeface="Arial" pitchFamily="34" charset="0"/>
-              <a:buChar char="»"/>
-              <a:defRPr sz="1600" kern="1200">
-                <a:solidFill>
-                  <a:schemeClr val="accent1">
-                    <a:lumMod val="50000"/>
-                  </a:schemeClr>
-                </a:solidFill>
-                <a:latin typeface="Segoe UI Light" panose="020B0502040204020203" pitchFamily="34" charset="0"/>
-                <a:ea typeface="+mn-ea"/>
-                <a:cs typeface="Segoe UI Light" panose="020B0502040204020203" pitchFamily="34" charset="0"/>
-              </a:defRPr>
-            </a:lvl5pPr>
-            <a:lvl6pPr marL="2514600" indent="-228600" algn="l" defTabSz="914400" rtl="0" eaLnBrk="1" latinLnBrk="0" hangingPunct="1">
-              <a:spcBef>
-                <a:spcPct val="20000"/>
-              </a:spcBef>
-              <a:buFont typeface="Arial" pitchFamily="34" charset="0"/>
-              <a:buChar char="•"/>
-              <a:defRPr sz="2000" kern="1200">
-                <a:solidFill>
-                  <a:schemeClr val="tx1"/>
-                </a:solidFill>
-                <a:latin typeface="+mn-lt"/>
-                <a:ea typeface="+mn-ea"/>
-                <a:cs typeface="+mn-cs"/>
-              </a:defRPr>
-            </a:lvl6pPr>
-            <a:lvl7pPr marL="2971800" indent="-228600" algn="l" defTabSz="914400" rtl="0" eaLnBrk="1" latinLnBrk="0" hangingPunct="1">
-              <a:spcBef>
-                <a:spcPct val="20000"/>
-              </a:spcBef>
-              <a:buFont typeface="Arial" pitchFamily="34" charset="0"/>
-              <a:buChar char="•"/>
-              <a:defRPr sz="2000" kern="1200">
-                <a:solidFill>
-                  <a:schemeClr val="tx1"/>
-                </a:solidFill>
-                <a:latin typeface="+mn-lt"/>
-                <a:ea typeface="+mn-ea"/>
-                <a:cs typeface="+mn-cs"/>
-              </a:defRPr>
-            </a:lvl7pPr>
-            <a:lvl8pPr marL="3429000" indent="-228600" algn="l" defTabSz="914400" rtl="0" eaLnBrk="1" latinLnBrk="0" hangingPunct="1">
-              <a:spcBef>
-                <a:spcPct val="20000"/>
-              </a:spcBef>
-              <a:buFont typeface="Arial" pitchFamily="34" charset="0"/>
-              <a:buChar char="•"/>
-              <a:defRPr sz="2000" kern="1200">
-                <a:solidFill>
-                  <a:schemeClr val="tx1"/>
-                </a:solidFill>
-                <a:latin typeface="+mn-lt"/>
-                <a:ea typeface="+mn-ea"/>
-                <a:cs typeface="+mn-cs"/>
-              </a:defRPr>
-            </a:lvl8pPr>
-            <a:lvl9pPr marL="3886200" indent="-228600" algn="l" defTabSz="914400" rtl="0" eaLnBrk="1" latinLnBrk="0" hangingPunct="1">
-              <a:spcBef>
-                <a:spcPct val="20000"/>
-              </a:spcBef>
-              <a:buFont typeface="Arial" pitchFamily="34" charset="0"/>
-              <a:buChar char="•"/>
-              <a:defRPr sz="2000" kern="1200">
-                <a:solidFill>
-                  <a:schemeClr val="tx1"/>
-                </a:solidFill>
-                <a:latin typeface="+mn-lt"/>
-                <a:ea typeface="+mn-ea"/>
-                <a:cs typeface="+mn-cs"/>
-              </a:defRPr>
-            </a:lvl9pPr>
-          </a:lstStyle>
-          <a:p>
-            <a:pPr marL="0" indent="0" algn="ctr">
-              <a:lnSpc>
-                <a:spcPct val="100000"/>
-              </a:lnSpc>
-              <a:buNone/>
-            </a:pPr>
-            <a:r>
-              <a:rPr lang="pt-BR" sz="1836" spc="300" dirty="0">
-                <a:solidFill>
-                  <a:schemeClr val="bg1"/>
-                </a:solidFill>
-              </a:rPr>
-              <a:t>https://renatogroffe.medium.com</a:t>
-            </a:r>
-          </a:p>
-        </p:txBody>
-      </p:sp>
-      <p:pic>
-        <p:nvPicPr>
-          <p:cNvPr id="21" name="Imagem 20">
-            <a:extLst>
-              <a:ext uri="{FF2B5EF4-FFF2-40B4-BE49-F238E27FC236}">
-                <a16:creationId xmlns:a16="http://schemas.microsoft.com/office/drawing/2014/main" id="{F16374F2-EFE7-4775-AD13-95766DD404A0}"/>
-              </a:ext>
-            </a:extLst>
-          </p:cNvPr>
-          <p:cNvPicPr>
-            <a:picLocks noChangeAspect="1"/>
-          </p:cNvPicPr>
-          <p:nvPr/>
-        </p:nvPicPr>
-        <p:blipFill>
-          <a:blip r:embed="rId3"/>
-          <a:stretch>
-            <a:fillRect/>
-          </a:stretch>
-        </p:blipFill>
-        <p:spPr>
-          <a:xfrm>
-            <a:off x="9148614" y="472111"/>
-            <a:ext cx="2064045" cy="2290202"/>
-          </a:xfrm>
-          <a:prstGeom prst="rect">
-            <a:avLst/>
-          </a:prstGeom>
-        </p:spPr>
-      </p:pic>
-      <p:pic>
-        <p:nvPicPr>
-          <p:cNvPr id="9" name="Picture 2" descr="http://www.codeisahighway.com/content/images/2015/10/MVP_Logo_Horizontal_Preferred_Cyan300_RGB_300ppi.png">
-            <a:extLst>
-              <a:ext uri="{FF2B5EF4-FFF2-40B4-BE49-F238E27FC236}">
-                <a16:creationId xmlns:a16="http://schemas.microsoft.com/office/drawing/2014/main" id="{C942EB67-E85D-42B0-8C54-899E7CBFA89F}"/>
-              </a:ext>
-            </a:extLst>
-          </p:cNvPr>
-          <p:cNvPicPr>
-            <a:picLocks noChangeAspect="1" noChangeArrowheads="1"/>
-          </p:cNvPicPr>
-          <p:nvPr/>
-        </p:nvPicPr>
-        <p:blipFill>
-          <a:blip r:embed="rId4">
-            <a:extLst>
-              <a:ext uri="{28A0092B-C50C-407E-A947-70E740481C1C}">
-                <a14:useLocalDpi xmlns:a14="http://schemas.microsoft.com/office/drawing/2010/main" val="0"/>
-              </a:ext>
-            </a:extLst>
-          </a:blip>
-          <a:srcRect/>
-          <a:stretch>
-            <a:fillRect/>
-          </a:stretch>
-        </p:blipFill>
-        <p:spPr bwMode="auto">
-          <a:xfrm>
-            <a:off x="9159726" y="3083121"/>
-            <a:ext cx="2052933" cy="828281"/>
-          </a:xfrm>
-          <a:prstGeom prst="rect">
-            <a:avLst/>
-          </a:prstGeom>
-          <a:noFill/>
-          <a:extLst>
-            <a:ext uri="{909E8E84-426E-40DD-AFC4-6F175D3DCCD1}">
-              <a14:hiddenFill xmlns:a14="http://schemas.microsoft.com/office/drawing/2010/main">
-                <a:solidFill>
-                  <a:srgbClr val="FFFFFF"/>
-                </a:solidFill>
-              </a14:hiddenFill>
-            </a:ext>
-          </a:extLst>
-        </p:spPr>
-      </p:pic>
-      <p:pic>
-        <p:nvPicPr>
-          <p:cNvPr id="6" name="Imagem 5" descr="Placa branca com texto preto sobre fundo azul&#10;&#10;Descrição gerada automaticamente">
-            <a:extLst>
-              <a:ext uri="{FF2B5EF4-FFF2-40B4-BE49-F238E27FC236}">
-                <a16:creationId xmlns:a16="http://schemas.microsoft.com/office/drawing/2014/main" id="{A06A382F-CB5E-49D3-A714-BF89782F31D2}"/>
-              </a:ext>
-            </a:extLst>
-          </p:cNvPr>
-          <p:cNvPicPr>
-            <a:picLocks noChangeAspect="1"/>
-          </p:cNvPicPr>
-          <p:nvPr/>
-        </p:nvPicPr>
-        <p:blipFill>
-          <a:blip r:embed="rId5">
-            <a:extLst>
-              <a:ext uri="{28A0092B-C50C-407E-A947-70E740481C1C}">
-                <a14:useLocalDpi xmlns:a14="http://schemas.microsoft.com/office/drawing/2010/main" val="0"/>
-              </a:ext>
-            </a:extLst>
-          </a:blip>
-          <a:stretch>
-            <a:fillRect/>
-          </a:stretch>
-        </p:blipFill>
-        <p:spPr>
-          <a:xfrm>
-            <a:off x="10510933" y="4142337"/>
-            <a:ext cx="1403451" cy="1403451"/>
-          </a:xfrm>
-          <a:prstGeom prst="rect">
-            <a:avLst/>
-          </a:prstGeom>
-        </p:spPr>
-      </p:pic>
-      <p:pic>
-        <p:nvPicPr>
-          <p:cNvPr id="5" name="Imagem 4">
-            <a:extLst>
-              <a:ext uri="{FF2B5EF4-FFF2-40B4-BE49-F238E27FC236}">
-                <a16:creationId xmlns:a16="http://schemas.microsoft.com/office/drawing/2014/main" id="{F1C07B8D-D885-A29F-54DF-949F73653865}"/>
-              </a:ext>
-            </a:extLst>
-          </p:cNvPr>
-          <p:cNvPicPr>
-            <a:picLocks noChangeAspect="1"/>
-          </p:cNvPicPr>
-          <p:nvPr/>
-        </p:nvPicPr>
-        <p:blipFill>
-          <a:blip r:embed="rId6"/>
-          <a:stretch>
-            <a:fillRect/>
-          </a:stretch>
-        </p:blipFill>
-        <p:spPr>
-          <a:xfrm>
-            <a:off x="9079155" y="4836355"/>
-            <a:ext cx="1600799" cy="1600799"/>
-          </a:xfrm>
-          <a:prstGeom prst="rect">
-            <a:avLst/>
-          </a:prstGeom>
-        </p:spPr>
-      </p:pic>
-      <p:pic>
-        <p:nvPicPr>
-          <p:cNvPr id="7" name="Imagem 6" descr="Placa azul com letras brancas&#10;&#10;O conteúdo gerado por IA pode estar incorreto.">
-            <a:extLst>
-              <a:ext uri="{FF2B5EF4-FFF2-40B4-BE49-F238E27FC236}">
-                <a16:creationId xmlns:a16="http://schemas.microsoft.com/office/drawing/2014/main" id="{CAB713EA-9E3B-51D0-845C-81E073A9D4D1}"/>
-              </a:ext>
-            </a:extLst>
-          </p:cNvPr>
-          <p:cNvPicPr>
-            <a:picLocks noChangeAspect="1"/>
-          </p:cNvPicPr>
-          <p:nvPr/>
-        </p:nvPicPr>
-        <p:blipFill>
-          <a:blip r:embed="rId7"/>
-          <a:stretch>
-            <a:fillRect/>
-          </a:stretch>
-        </p:blipFill>
-        <p:spPr>
-          <a:xfrm>
-            <a:off x="8105735" y="3702897"/>
-            <a:ext cx="1699365" cy="1699365"/>
-          </a:xfrm>
-          <a:prstGeom prst="rect">
-            <a:avLst/>
-          </a:prstGeom>
-        </p:spPr>
-      </p:pic>
-      <p:pic>
-        <p:nvPicPr>
-          <p:cNvPr id="8" name="Imagem 7" descr="Código QR&#10;&#10;O conteúdo gerado por IA pode estar incorreto.">
-            <a:extLst>
-              <a:ext uri="{FF2B5EF4-FFF2-40B4-BE49-F238E27FC236}">
-                <a16:creationId xmlns:a16="http://schemas.microsoft.com/office/drawing/2014/main" id="{A34DD808-8EF3-F69C-34FC-10308833E488}"/>
-              </a:ext>
-            </a:extLst>
-          </p:cNvPr>
-          <p:cNvPicPr>
-            <a:picLocks noChangeAspect="1"/>
-          </p:cNvPicPr>
-          <p:nvPr/>
-        </p:nvPicPr>
-        <p:blipFill>
-          <a:blip r:embed="rId8"/>
-          <a:stretch>
-            <a:fillRect/>
-          </a:stretch>
-        </p:blipFill>
-        <p:spPr>
-          <a:xfrm>
-            <a:off x="5318719" y="4407456"/>
-            <a:ext cx="2029698" cy="2029698"/>
-          </a:xfrm>
-          <a:prstGeom prst="rect">
-            <a:avLst/>
-          </a:prstGeom>
-        </p:spPr>
-      </p:pic>
-    </p:spTree>
-    <p:extLst>
-      <p:ext uri="{BB962C8B-B14F-4D97-AF65-F5344CB8AC3E}">
-        <p14:creationId xmlns:p14="http://schemas.microsoft.com/office/powerpoint/2010/main" val="458081820"/>
       </p:ext>
     </p:extLst>
   </p:cSld>
@@ -36445,6 +36510,94 @@
 </file>
 
 <file path=customXml/item1.xml><?xml version="1.0" encoding="utf-8"?>
+<p:properties xmlns:p="http://schemas.microsoft.com/office/2006/metadata/properties" xmlns:xsi="http://www.w3.org/2001/XMLSchema-instance" xmlns:pc="http://schemas.microsoft.com/office/infopath/2007/PartnerControls">
+  <documentManagement>
+    <LikesCount xmlns="http://schemas.microsoft.com/sharepoint/v3" xsi:nil="true"/>
+    <d12e2661e9634d9aa98bbb375f31aced xmlns="01c77077-aee4-4b5f-bd4e-9cd40a6fff29">
+      <Terms xmlns="http://schemas.microsoft.com/office/infopath/2007/PartnerControls">
+        <TermInfo xmlns="http://schemas.microsoft.com/office/infopath/2007/PartnerControls">
+          <TermName xmlns="http://schemas.microsoft.com/office/infopath/2007/PartnerControls">Georgia World Congress Center</TermName>
+          <TermId xmlns="http://schemas.microsoft.com/office/infopath/2007/PartnerControls">ea0ece34-59a6-4d43-8d9e-d0f9e2a2f1ce</TermId>
+        </TermInfo>
+      </Terms>
+    </d12e2661e9634d9aa98bbb375f31aced>
+    <Event_x0020_Start_x0020_Date xmlns="01c77077-aee4-4b5f-bd4e-9cd40a6fff29">2016-09-25T07:00:00+00:00</Event_x0020_Start_x0020_Date>
+    <Target_x0020_Audiences xmlns="8ff673fc-3231-4e3a-893b-6d7f7cd32766" xsi:nil="true"/>
+    <iaa5f83406f94009a0f6a3e890699ff7 xmlns="01c77077-aee4-4b5f-bd4e-9cd40a6fff29">
+      <Terms xmlns="http://schemas.microsoft.com/office/infopath/2007/PartnerControls">
+        <TermInfo xmlns="http://schemas.microsoft.com/office/infopath/2007/PartnerControls">
+          <TermName xmlns="http://schemas.microsoft.com/office/infopath/2007/PartnerControls">Atlanta</TermName>
+          <TermId xmlns="http://schemas.microsoft.com/office/infopath/2007/PartnerControls">01fb9831-5840-48a0-a576-3e48f42baa53</TermId>
+        </TermInfo>
+      </Terms>
+    </iaa5f83406f94009a0f6a3e890699ff7>
+    <External_x0020_Speaker xmlns="01c77077-aee4-4b5f-bd4e-9cd40a6fff29">Michael Kelley</External_x0020_Speaker>
+    <m6878b9dd7994da4ba144f95347d99c6 xmlns="01c77077-aee4-4b5f-bd4e-9cd40a6fff29">
+      <Terms xmlns="http://schemas.microsoft.com/office/infopath/2007/PartnerControls"/>
+    </m6878b9dd7994da4ba144f95347d99c6>
+    <Presentation_x0020_Date xmlns="01c77077-aee4-4b5f-bd4e-9cd40a6fff29">2016-09-28T04:00:00+00:00</Presentation_x0020_Date>
+    <fc15c16204564de583b4c942b10d19ec xmlns="01c77077-aee4-4b5f-bd4e-9cd40a6fff29">
+      <Terms xmlns="http://schemas.microsoft.com/office/infopath/2007/PartnerControls"/>
+    </fc15c16204564de583b4c942b10d19ec>
+    <mb2e01f7e2d8413988e28e59aa226eec xmlns="01c77077-aee4-4b5f-bd4e-9cd40a6fff29">
+      <Terms xmlns="http://schemas.microsoft.com/office/infopath/2007/PartnerControls">
+        <TermInfo xmlns="http://schemas.microsoft.com/office/infopath/2007/PartnerControls">
+          <TermName xmlns="http://schemas.microsoft.com/office/infopath/2007/PartnerControls">Microsoft Ignite</TermName>
+          <TermId xmlns="http://schemas.microsoft.com/office/infopath/2007/PartnerControls">9323c522-fe4b-4922-816b-10a1920d7afb</TermId>
+        </TermInfo>
+      </Terms>
+    </mb2e01f7e2d8413988e28e59aa226eec>
+    <MS_x0020_Content_x0020_Owner xmlns="01c77077-aee4-4b5f-bd4e-9cd40a6fff29">
+      <UserInfo>
+        <DisplayName/>
+        <AccountId xsi:nil="true"/>
+        <AccountType/>
+      </UserInfo>
+    </MS_x0020_Content_x0020_Owner>
+    <Session_x0020_Code xmlns="01c77077-aee4-4b5f-bd4e-9cd40a6fff29">BRK2158</Session_x0020_Code>
+    <Event_x0020_End_x0020_Date xmlns="01c77077-aee4-4b5f-bd4e-9cd40a6fff29">2016-09-30T07:00:00+00:00</Event_x0020_End_x0020_Date>
+    <o1010385baed4da9b5076a6aa651d1e5 xmlns="01c77077-aee4-4b5f-bd4e-9cd40a6fff29">
+      <Terms xmlns="http://schemas.microsoft.com/office/infopath/2007/PartnerControls"/>
+    </o1010385baed4da9b5076a6aa651d1e5>
+    <kc6d1bd9a46e4e5fbbbf99ca3de7a092 xmlns="01c77077-aee4-4b5f-bd4e-9cd40a6fff29">
+      <Terms xmlns="http://schemas.microsoft.com/office/infopath/2007/PartnerControls"/>
+    </kc6d1bd9a46e4e5fbbbf99ca3de7a092>
+    <MS_x0020_Speaker xmlns="01c77077-aee4-4b5f-bd4e-9cd40a6fff29">
+      <UserInfo>
+        <DisplayName/>
+        <AccountId xsi:nil="true"/>
+        <AccountType/>
+      </UserInfo>
+    </MS_x0020_Speaker>
+    <TaxKeywordTaxHTField xmlns="230e9df3-be65-4c73-a93b-d1236ebd677e">
+      <Terms xmlns="http://schemas.microsoft.com/office/infopath/2007/PartnerControls">
+        <TermInfo xmlns="http://schemas.microsoft.com/office/infopath/2007/PartnerControls">
+          <TermName xmlns="http://schemas.microsoft.com/office/infopath/2007/PartnerControls">Microsoft Ignite 2016</TermName>
+          <TermId xmlns="http://schemas.microsoft.com/office/infopath/2007/PartnerControls">e2f6a88c-86f9-4b25-a2af-b5c3afa8c82a</TermId>
+        </TermInfo>
+      </Terms>
+    </TaxKeywordTaxHTField>
+    <TaxCatchAll xmlns="230e9df3-be65-4c73-a93b-d1236ebd677e">
+      <Value>174</Value>
+      <Value>177</Value>
+      <Value>176</Value>
+      <Value>175</Value>
+    </TaxCatchAll>
+    <NumberofDownloads xmlns="230e9df3-be65-4c73-a93b-d1236ebd677e" xsi:nil="true"/>
+  </documentManagement>
+</p:properties>
+</file>
+
+<file path=customXml/item2.xml><?xml version="1.0" encoding="utf-8"?>
+<?mso-contentType ?>
+<FormTemplates xmlns="http://schemas.microsoft.com/sharepoint/v3/contenttype/forms">
+  <Display>DocumentLibraryForm</Display>
+  <Edit>DocumentLibraryForm</Edit>
+  <New>DocumentLibraryForm</New>
+</FormTemplates>
+</file>
+
+<file path=customXml/item3.xml><?xml version="1.0" encoding="utf-8"?>
 <ct:contentTypeSchema xmlns:ct="http://schemas.microsoft.com/office/2006/metadata/contentType" xmlns:ma="http://schemas.microsoft.com/office/2006/metadata/properties/metaAttributes" ct:_="" ma:_="" ma:contentTypeName="PresentationsDoc" ma:contentTypeID="0x01010031DCF4CA090F824DB1E4CCBB6B9D64EA00101E8AAD132F8F4D96340D6376C8BB3E" ma:contentTypeVersion="22" ma:contentTypeDescription="" ma:contentTypeScope="" ma:versionID="8add498658ef06bbcf3bc1f2c97d938c">
   <xsd:schema xmlns:xsd="http://www.w3.org/2001/XMLSchema" xmlns:xs="http://www.w3.org/2001/XMLSchema" xmlns:p="http://schemas.microsoft.com/office/2006/metadata/properties" xmlns:ns1="http://schemas.microsoft.com/sharepoint/v3" xmlns:ns2="01c77077-aee4-4b5f-bd4e-9cd40a6fff29" xmlns:ns3="230e9df3-be65-4c73-a93b-d1236ebd677e" xmlns:ns5="8ff673fc-3231-4e3a-893b-6d7f7cd32766" targetNamespace="http://schemas.microsoft.com/office/2006/metadata/properties" ma:root="true" ma:fieldsID="a14070d067e341e7ddc7e27ecc4a2d88" ns1:_="" ns2:_="" ns3:_="" ns5:_="">
     <xsd:import namespace="http://schemas.microsoft.com/sharepoint/v3"/>
@@ -36801,95 +36954,34 @@
 </ct:contentTypeSchema>
 </file>
 
-<file path=customXml/item2.xml><?xml version="1.0" encoding="utf-8"?>
-<?mso-contentType ?>
-<FormTemplates xmlns="http://schemas.microsoft.com/sharepoint/v3/contenttype/forms">
-  <Display>DocumentLibraryForm</Display>
-  <Edit>DocumentLibraryForm</Edit>
-  <New>DocumentLibraryForm</New>
-</FormTemplates>
+<file path=customXml/itemProps1.xml><?xml version="1.0" encoding="utf-8"?>
+<ds:datastoreItem xmlns:ds="http://schemas.openxmlformats.org/officeDocument/2006/customXml" ds:itemID="{F990F116-B58F-4255-B05B-DA3808E0E5C6}">
+  <ds:schemaRefs>
+    <ds:schemaRef ds:uri="http://purl.org/dc/elements/1.1/"/>
+    <ds:schemaRef ds:uri="http://purl.org/dc/dcmitype/"/>
+    <ds:schemaRef ds:uri="230e9df3-be65-4c73-a93b-d1236ebd677e"/>
+    <ds:schemaRef ds:uri="http://schemas.microsoft.com/office/infopath/2007/PartnerControls"/>
+    <ds:schemaRef ds:uri="http://schemas.microsoft.com/office/2006/metadata/properties"/>
+    <ds:schemaRef ds:uri="01c77077-aee4-4b5f-bd4e-9cd40a6fff29"/>
+    <ds:schemaRef ds:uri="http://schemas.microsoft.com/sharepoint/v3"/>
+    <ds:schemaRef ds:uri="8ff673fc-3231-4e3a-893b-6d7f7cd32766"/>
+    <ds:schemaRef ds:uri="http://schemas.microsoft.com/office/2006/documentManagement/types"/>
+    <ds:schemaRef ds:uri="http://purl.org/dc/terms/"/>
+    <ds:schemaRef ds:uri="http://schemas.openxmlformats.org/package/2006/metadata/core-properties"/>
+    <ds:schemaRef ds:uri="http://www.w3.org/XML/1998/namespace"/>
+  </ds:schemaRefs>
+</ds:datastoreItem>
 </file>
 
-<file path=customXml/item3.xml><?xml version="1.0" encoding="utf-8"?>
-<p:properties xmlns:p="http://schemas.microsoft.com/office/2006/metadata/properties" xmlns:xsi="http://www.w3.org/2001/XMLSchema-instance" xmlns:pc="http://schemas.microsoft.com/office/infopath/2007/PartnerControls">
-  <documentManagement>
-    <LikesCount xmlns="http://schemas.microsoft.com/sharepoint/v3" xsi:nil="true"/>
-    <d12e2661e9634d9aa98bbb375f31aced xmlns="01c77077-aee4-4b5f-bd4e-9cd40a6fff29">
-      <Terms xmlns="http://schemas.microsoft.com/office/infopath/2007/PartnerControls">
-        <TermInfo xmlns="http://schemas.microsoft.com/office/infopath/2007/PartnerControls">
-          <TermName xmlns="http://schemas.microsoft.com/office/infopath/2007/PartnerControls">Georgia World Congress Center</TermName>
-          <TermId xmlns="http://schemas.microsoft.com/office/infopath/2007/PartnerControls">ea0ece34-59a6-4d43-8d9e-d0f9e2a2f1ce</TermId>
-        </TermInfo>
-      </Terms>
-    </d12e2661e9634d9aa98bbb375f31aced>
-    <Event_x0020_Start_x0020_Date xmlns="01c77077-aee4-4b5f-bd4e-9cd40a6fff29">2016-09-25T07:00:00+00:00</Event_x0020_Start_x0020_Date>
-    <Target_x0020_Audiences xmlns="8ff673fc-3231-4e3a-893b-6d7f7cd32766" xsi:nil="true"/>
-    <iaa5f83406f94009a0f6a3e890699ff7 xmlns="01c77077-aee4-4b5f-bd4e-9cd40a6fff29">
-      <Terms xmlns="http://schemas.microsoft.com/office/infopath/2007/PartnerControls">
-        <TermInfo xmlns="http://schemas.microsoft.com/office/infopath/2007/PartnerControls">
-          <TermName xmlns="http://schemas.microsoft.com/office/infopath/2007/PartnerControls">Atlanta</TermName>
-          <TermId xmlns="http://schemas.microsoft.com/office/infopath/2007/PartnerControls">01fb9831-5840-48a0-a576-3e48f42baa53</TermId>
-        </TermInfo>
-      </Terms>
-    </iaa5f83406f94009a0f6a3e890699ff7>
-    <External_x0020_Speaker xmlns="01c77077-aee4-4b5f-bd4e-9cd40a6fff29">Michael Kelley</External_x0020_Speaker>
-    <m6878b9dd7994da4ba144f95347d99c6 xmlns="01c77077-aee4-4b5f-bd4e-9cd40a6fff29">
-      <Terms xmlns="http://schemas.microsoft.com/office/infopath/2007/PartnerControls"/>
-    </m6878b9dd7994da4ba144f95347d99c6>
-    <Presentation_x0020_Date xmlns="01c77077-aee4-4b5f-bd4e-9cd40a6fff29">2016-09-28T04:00:00+00:00</Presentation_x0020_Date>
-    <fc15c16204564de583b4c942b10d19ec xmlns="01c77077-aee4-4b5f-bd4e-9cd40a6fff29">
-      <Terms xmlns="http://schemas.microsoft.com/office/infopath/2007/PartnerControls"/>
-    </fc15c16204564de583b4c942b10d19ec>
-    <mb2e01f7e2d8413988e28e59aa226eec xmlns="01c77077-aee4-4b5f-bd4e-9cd40a6fff29">
-      <Terms xmlns="http://schemas.microsoft.com/office/infopath/2007/PartnerControls">
-        <TermInfo xmlns="http://schemas.microsoft.com/office/infopath/2007/PartnerControls">
-          <TermName xmlns="http://schemas.microsoft.com/office/infopath/2007/PartnerControls">Microsoft Ignite</TermName>
-          <TermId xmlns="http://schemas.microsoft.com/office/infopath/2007/PartnerControls">9323c522-fe4b-4922-816b-10a1920d7afb</TermId>
-        </TermInfo>
-      </Terms>
-    </mb2e01f7e2d8413988e28e59aa226eec>
-    <MS_x0020_Content_x0020_Owner xmlns="01c77077-aee4-4b5f-bd4e-9cd40a6fff29">
-      <UserInfo>
-        <DisplayName/>
-        <AccountId xsi:nil="true"/>
-        <AccountType/>
-      </UserInfo>
-    </MS_x0020_Content_x0020_Owner>
-    <Session_x0020_Code xmlns="01c77077-aee4-4b5f-bd4e-9cd40a6fff29">BRK2158</Session_x0020_Code>
-    <Event_x0020_End_x0020_Date xmlns="01c77077-aee4-4b5f-bd4e-9cd40a6fff29">2016-09-30T07:00:00+00:00</Event_x0020_End_x0020_Date>
-    <o1010385baed4da9b5076a6aa651d1e5 xmlns="01c77077-aee4-4b5f-bd4e-9cd40a6fff29">
-      <Terms xmlns="http://schemas.microsoft.com/office/infopath/2007/PartnerControls"/>
-    </o1010385baed4da9b5076a6aa651d1e5>
-    <kc6d1bd9a46e4e5fbbbf99ca3de7a092 xmlns="01c77077-aee4-4b5f-bd4e-9cd40a6fff29">
-      <Terms xmlns="http://schemas.microsoft.com/office/infopath/2007/PartnerControls"/>
-    </kc6d1bd9a46e4e5fbbbf99ca3de7a092>
-    <MS_x0020_Speaker xmlns="01c77077-aee4-4b5f-bd4e-9cd40a6fff29">
-      <UserInfo>
-        <DisplayName/>
-        <AccountId xsi:nil="true"/>
-        <AccountType/>
-      </UserInfo>
-    </MS_x0020_Speaker>
-    <TaxKeywordTaxHTField xmlns="230e9df3-be65-4c73-a93b-d1236ebd677e">
-      <Terms xmlns="http://schemas.microsoft.com/office/infopath/2007/PartnerControls">
-        <TermInfo xmlns="http://schemas.microsoft.com/office/infopath/2007/PartnerControls">
-          <TermName xmlns="http://schemas.microsoft.com/office/infopath/2007/PartnerControls">Microsoft Ignite 2016</TermName>
-          <TermId xmlns="http://schemas.microsoft.com/office/infopath/2007/PartnerControls">e2f6a88c-86f9-4b25-a2af-b5c3afa8c82a</TermId>
-        </TermInfo>
-      </Terms>
-    </TaxKeywordTaxHTField>
-    <TaxCatchAll xmlns="230e9df3-be65-4c73-a93b-d1236ebd677e">
-      <Value>174</Value>
-      <Value>177</Value>
-      <Value>176</Value>
-      <Value>175</Value>
-    </TaxCatchAll>
-    <NumberofDownloads xmlns="230e9df3-be65-4c73-a93b-d1236ebd677e" xsi:nil="true"/>
-  </documentManagement>
-</p:properties>
+<file path=customXml/itemProps2.xml><?xml version="1.0" encoding="utf-8"?>
+<ds:datastoreItem xmlns:ds="http://schemas.openxmlformats.org/officeDocument/2006/customXml" ds:itemID="{758FDAC0-319D-4A54-8D8E-1D42CB1F8004}">
+  <ds:schemaRefs>
+    <ds:schemaRef ds:uri="http://schemas.microsoft.com/sharepoint/v3/contenttype/forms"/>
+  </ds:schemaRefs>
+</ds:datastoreItem>
 </file>
 
-<file path=customXml/itemProps1.xml><?xml version="1.0" encoding="utf-8"?>
+<file path=customXml/itemProps3.xml><?xml version="1.0" encoding="utf-8"?>
 <ds:datastoreItem xmlns:ds="http://schemas.openxmlformats.org/officeDocument/2006/customXml" ds:itemID="{6D8F288A-5131-4E80-AB86-F10FC037383B}">
   <ds:schemaRefs>
     <ds:schemaRef ds:uri="http://schemas.microsoft.com/office/2006/metadata/contentType"/>
@@ -36908,31 +37000,4 @@
     <ds:schemaRef ds:uri="http://schemas.microsoft.com/internal/obd"/>
   </ds:schemaRefs>
 </ds:datastoreItem>
-</file>
-
-<file path=customXml/itemProps2.xml><?xml version="1.0" encoding="utf-8"?>
-<ds:datastoreItem xmlns:ds="http://schemas.openxmlformats.org/officeDocument/2006/customXml" ds:itemID="{758FDAC0-319D-4A54-8D8E-1D42CB1F8004}">
-  <ds:schemaRefs>
-    <ds:schemaRef ds:uri="http://schemas.microsoft.com/sharepoint/v3/contenttype/forms"/>
-  </ds:schemaRefs>
-</ds:datastoreItem>
-</file>
-
-<file path=customXml/itemProps3.xml><?xml version="1.0" encoding="utf-8"?>
-<ds:datastoreItem xmlns:ds="http://schemas.openxmlformats.org/officeDocument/2006/customXml" ds:itemID="{F990F116-B58F-4255-B05B-DA3808E0E5C6}">
-  <ds:schemaRefs>
-    <ds:schemaRef ds:uri="http://purl.org/dc/elements/1.1/"/>
-    <ds:schemaRef ds:uri="http://purl.org/dc/dcmitype/"/>
-    <ds:schemaRef ds:uri="230e9df3-be65-4c73-a93b-d1236ebd677e"/>
-    <ds:schemaRef ds:uri="http://schemas.microsoft.com/office/infopath/2007/PartnerControls"/>
-    <ds:schemaRef ds:uri="http://schemas.microsoft.com/office/2006/metadata/properties"/>
-    <ds:schemaRef ds:uri="01c77077-aee4-4b5f-bd4e-9cd40a6fff29"/>
-    <ds:schemaRef ds:uri="http://schemas.microsoft.com/sharepoint/v3"/>
-    <ds:schemaRef ds:uri="8ff673fc-3231-4e3a-893b-6d7f7cd32766"/>
-    <ds:schemaRef ds:uri="http://schemas.microsoft.com/office/2006/documentManagement/types"/>
-    <ds:schemaRef ds:uri="http://purl.org/dc/terms/"/>
-    <ds:schemaRef ds:uri="http://schemas.openxmlformats.org/package/2006/metadata/core-properties"/>
-    <ds:schemaRef ds:uri="http://www.w3.org/XML/1998/namespace"/>
-  </ds:schemaRefs>
-</ds:datastoreItem>
 </file>